--- a/WebContent/WEB-INF/templates/CSJ/divineCodeOfConduct.pptx
+++ b/WebContent/WEB-INF/templates/CSJ/divineCodeOfConduct.pptx
@@ -109,7 +109,7 @@
   </p:defaultTextStyle>
   <p:extLst>
     <p:ext uri="{EFAFB233-063F-42B5-8137-9DF3F51BA10A}">
-      <p15:sldGuideLst xmlns:p15="http://schemas.microsoft.com/office/powerpoint/2012/main">
+      <p15:sldGuideLst xmlns:p15="http://schemas.microsoft.com/office/powerpoint/2012/main" xmlns="">
         <p15:guide id="1" orient="horz" pos="2160" userDrawn="1">
           <p15:clr>
             <a:srgbClr val="A4A3A4"/>
@@ -208,7 +208,7 @@
           <a:p>
             <a:fld id="{661244D2-2065-4847-8C74-B75063B4EBF4}" type="datetimeFigureOut">
               <a:rPr lang="en-US" smtClean="0"/>
-              <a:t>1/6/19</a:t>
+              <a:t>12/01/20</a:t>
             </a:fld>
             <a:endParaRPr lang="en-US"/>
           </a:p>
@@ -613,7 +613,7 @@
                 </a:solidFill>
               </a:rPr>
               <a:pPr/>
-              <a:t>1/6/19</a:t>
+              <a:t>12/01/20</a:t>
             </a:fld>
             <a:endParaRPr lang="en-US">
               <a:solidFill>
@@ -810,7 +810,7 @@
                 </a:solidFill>
               </a:rPr>
               <a:pPr/>
-              <a:t>1/6/19</a:t>
+              <a:t>12/01/20</a:t>
             </a:fld>
             <a:endParaRPr lang="en-US">
               <a:solidFill>
@@ -1017,7 +1017,7 @@
                 </a:solidFill>
               </a:rPr>
               <a:pPr/>
-              <a:t>1/6/19</a:t>
+              <a:t>12/01/20</a:t>
             </a:fld>
             <a:endParaRPr lang="en-US">
               <a:solidFill>
@@ -1214,7 +1214,7 @@
                 </a:solidFill>
               </a:rPr>
               <a:pPr/>
-              <a:t>1/6/19</a:t>
+              <a:t>12/01/20</a:t>
             </a:fld>
             <a:endParaRPr lang="en-US">
               <a:solidFill>
@@ -1485,7 +1485,7 @@
                 </a:solidFill>
               </a:rPr>
               <a:pPr/>
-              <a:t>1/6/19</a:t>
+              <a:t>12/01/20</a:t>
             </a:fld>
             <a:endParaRPr lang="en-US">
               <a:solidFill>
@@ -1744,7 +1744,7 @@
                 </a:solidFill>
               </a:rPr>
               <a:pPr/>
-              <a:t>1/6/19</a:t>
+              <a:t>12/01/20</a:t>
             </a:fld>
             <a:endParaRPr lang="en-US">
               <a:solidFill>
@@ -2138,7 +2138,7 @@
                 </a:solidFill>
               </a:rPr>
               <a:pPr/>
-              <a:t>1/6/19</a:t>
+              <a:t>12/01/20</a:t>
             </a:fld>
             <a:endParaRPr lang="en-US">
               <a:solidFill>
@@ -2283,7 +2283,7 @@
                 </a:solidFill>
               </a:rPr>
               <a:pPr/>
-              <a:t>1/6/19</a:t>
+              <a:t>12/01/20</a:t>
             </a:fld>
             <a:endParaRPr lang="en-US">
               <a:solidFill>
@@ -2405,7 +2405,7 @@
                 </a:solidFill>
               </a:rPr>
               <a:pPr/>
-              <a:t>1/6/19</a:t>
+              <a:t>12/01/20</a:t>
             </a:fld>
             <a:endParaRPr lang="en-US">
               <a:solidFill>
@@ -2709,7 +2709,7 @@
                 </a:solidFill>
               </a:rPr>
               <a:pPr/>
-              <a:t>1/6/19</a:t>
+              <a:t>12/01/20</a:t>
             </a:fld>
             <a:endParaRPr lang="en-US">
               <a:solidFill>
@@ -2993,7 +2993,7 @@
                 </a:solidFill>
               </a:rPr>
               <a:pPr/>
-              <a:t>1/6/19</a:t>
+              <a:t>12/01/20</a:t>
             </a:fld>
             <a:endParaRPr lang="en-US">
               <a:solidFill>
@@ -3226,7 +3226,7 @@
           <a:p>
             <a:fld id="{6A115894-3261-314E-BEB5-F3A46CF27325}" type="datetimeFigureOut">
               <a:rPr lang="en-US" smtClean="0"/>
-              <a:t>1/6/19</a:t>
+              <a:t>12/01/20</a:t>
             </a:fld>
             <a:endParaRPr lang="en-US"/>
           </a:p>
@@ -3824,6 +3824,30 @@
           </a:p>
         </p:txBody>
       </p:sp>
+      <p:pic>
+        <p:nvPicPr>
+          <p:cNvPr id="7" name="Picture 6"/>
+          <p:cNvPicPr>
+            <a:picLocks noChangeAspect="1"/>
+          </p:cNvPicPr>
+          <p:nvPr/>
+        </p:nvPicPr>
+        <p:blipFill>
+          <a:blip r:embed="rId3"/>
+          <a:stretch>
+            <a:fillRect/>
+          </a:stretch>
+        </p:blipFill>
+        <p:spPr>
+          <a:xfrm>
+            <a:off x="-26639" y="0"/>
+            <a:ext cx="1726017" cy="1656976"/>
+          </a:xfrm>
+          <a:prstGeom prst="rect">
+            <a:avLst/>
+          </a:prstGeom>
+        </p:spPr>
+      </p:pic>
     </p:spTree>
     <p:extLst>
       <p:ext uri="{BB962C8B-B14F-4D97-AF65-F5344CB8AC3E}">
@@ -3880,7 +3904,7 @@
     </a:clrScheme>
     <a:fontScheme name="Office Theme">
       <a:majorFont>
-        <a:latin typeface="Calibri Light" panose="020F0302020204030204"/>
+        <a:latin typeface="Calibri Light"/>
         <a:ea typeface=""/>
         <a:cs typeface=""/>
         <a:font script="Jpan" typeface="游ゴシック Light"/>
@@ -3915,7 +3939,7 @@
         <a:font script="Geor" typeface="Sylfaen"/>
       </a:majorFont>
       <a:minorFont>
-        <a:latin typeface="Calibri" panose="020F0502020204030204"/>
+        <a:latin typeface="Calibri"/>
         <a:ea typeface=""/>
         <a:cs typeface=""/>
         <a:font script="Jpan" typeface="游ゴシック"/>
@@ -4092,7 +4116,7 @@
   <a:extraClrSchemeLst/>
   <a:extLst>
     <a:ext uri="{05A4C25C-085E-4340-85A3-A5531E510DB2}">
-      <thm15:themeFamily xmlns:thm15="http://schemas.microsoft.com/office/thememl/2012/main" name="Office Theme" id="{62F939B6-93AF-4DB8-9C6B-D6C7DFDC589F}" vid="{4A3C46E8-61CC-4603-A589-7422A47A8E4A}"/>
+      <thm15:themeFamily xmlns:thm15="http://schemas.microsoft.com/office/thememl/2012/main" xmlns="" name="Office Theme" id="{62F939B6-93AF-4DB8-9C6B-D6C7DFDC589F}" vid="{4A3C46E8-61CC-4603-A589-7422A47A8E4A}"/>
     </a:ext>
   </a:extLst>
 </a:theme>
